--- a/核心业绩.pptx
+++ b/核心业绩.pptx
@@ -115,7 +115,7 @@
   </p:defaultTextStyle>
   <p:extLst>
     <p:ext uri="{EFAFB233-063F-42B5-8137-9DF3F51BA10A}">
-      <p15:sldGuideLst xmlns:p15="http://schemas.microsoft.com/office/powerpoint/2012/main"/>
+      <p15:sldGuideLst xmlns:p15="http://schemas.microsoft.com/office/powerpoint/2012/main" xmlns=""/>
     </p:ext>
   </p:extLst>
 </p:presentation>
@@ -124,7 +124,7 @@
 <file path=ppt/charts/chart1.xml><?xml version="1.0" encoding="utf-8"?>
 <c:chartSpace xmlns:c="http://schemas.openxmlformats.org/drawingml/2006/chart" xmlns:a="http://schemas.openxmlformats.org/drawingml/2006/main" xmlns:r="http://schemas.openxmlformats.org/officeDocument/2006/relationships">
   <c:date1904 val="0"/>
-  <c:lang val="zh-CN"/>
+  <c:lang val="en-US"/>
   <c:roundedCorners val="0"/>
   <mc:AlternateContent xmlns:mc="http://schemas.openxmlformats.org/markup-compatibility/2006">
     <mc:Choice xmlns:c14="http://schemas.microsoft.com/office/drawing/2007/8/2/chart" Requires="c14">
@@ -255,13 +255,13 @@
                 <c:formatCode>General</c:formatCode>
                 <c:ptCount val="3"/>
                 <c:pt idx="0">
-                  <c:v>2013</c:v>
+                  <c:v>2013.0</c:v>
                 </c:pt>
                 <c:pt idx="1">
-                  <c:v>2014</c:v>
+                  <c:v>2014.0</c:v>
                 </c:pt>
                 <c:pt idx="2">
-                  <c:v>2015</c:v>
+                  <c:v>2015.0</c:v>
                 </c:pt>
               </c:numCache>
             </c:numRef>
@@ -273,10 +273,10 @@
                 <c:formatCode>General</c:formatCode>
                 <c:ptCount val="3"/>
                 <c:pt idx="0">
-                  <c:v>372681</c:v>
+                  <c:v>372681.0</c:v>
                 </c:pt>
                 <c:pt idx="1">
-                  <c:v>538247</c:v>
+                  <c:v>538247.0</c:v>
                 </c:pt>
                 <c:pt idx="2">
                   <c:v>690904.01</c:v>
@@ -295,11 +295,11 @@
         </c:dLbls>
         <c:gapWidth val="355"/>
         <c:overlap val="-70"/>
-        <c:axId val="150724336"/>
-        <c:axId val="150725456"/>
+        <c:axId val="2126371048"/>
+        <c:axId val="2126964424"/>
       </c:barChart>
       <c:catAx>
-        <c:axId val="150724336"/>
+        <c:axId val="2126371048"/>
         <c:scaling>
           <c:orientation val="minMax"/>
         </c:scaling>
@@ -333,10 +333,10 @@
                 <a:cs typeface="+mn-cs"/>
               </a:defRPr>
             </a:pPr>
-            <a:endParaRPr lang="zh-CN"/>
+            <a:endParaRPr lang="en-US"/>
           </a:p>
         </c:txPr>
-        <c:crossAx val="150725456"/>
+        <c:crossAx val="2126964424"/>
         <c:crosses val="autoZero"/>
         <c:auto val="1"/>
         <c:lblAlgn val="ctr"/>
@@ -344,10 +344,10 @@
         <c:noMultiLvlLbl val="0"/>
       </c:catAx>
       <c:valAx>
-        <c:axId val="150725456"/>
+        <c:axId val="2126964424"/>
         <c:scaling>
           <c:orientation val="minMax"/>
-          <c:min val="200000"/>
+          <c:min val="200000.0"/>
         </c:scaling>
         <c:delete val="0"/>
         <c:axPos val="l"/>
@@ -383,23 +383,6 @@
             </a:ln>
             <a:effectLst/>
           </c:spPr>
-          <c:txPr>
-            <a:bodyPr rot="-5400000" spcFirstLastPara="1" vertOverflow="ellipsis" vert="horz" wrap="square" anchor="ctr" anchorCtr="1"/>
-            <a:lstStyle/>
-            <a:p>
-              <a:pPr>
-                <a:defRPr sz="1200" b="0" i="0" u="none" strike="noStrike" kern="1200" cap="all" baseline="0">
-                  <a:solidFill>
-                    <a:schemeClr val="tx1"/>
-                  </a:solidFill>
-                  <a:latin typeface="+mn-lt"/>
-                  <a:ea typeface="+mn-ea"/>
-                  <a:cs typeface="+mn-cs"/>
-                </a:defRPr>
-              </a:pPr>
-              <a:endParaRPr lang="zh-CN"/>
-            </a:p>
-          </c:txPr>
         </c:title>
         <c:numFmt formatCode="0_);[Red]\(0\)" sourceLinked="0"/>
         <c:majorTickMark val="none"/>
@@ -426,13 +409,13 @@
                 <a:cs typeface="+mn-cs"/>
               </a:defRPr>
             </a:pPr>
-            <a:endParaRPr lang="zh-CN"/>
+            <a:endParaRPr lang="en-US"/>
           </a:p>
         </c:txPr>
-        <c:crossAx val="150724336"/>
+        <c:crossAx val="2126371048"/>
         <c:crosses val="autoZero"/>
         <c:crossBetween val="between"/>
-        <c:majorUnit val="200000"/>
+        <c:majorUnit val="200000.0"/>
       </c:valAx>
       <c:spPr>
         <a:noFill/>
@@ -467,10 +450,10 @@
           </a:solidFill>
         </a:defRPr>
       </a:pPr>
-      <a:endParaRPr lang="zh-CN"/>
+      <a:endParaRPr lang="en-US"/>
     </a:p>
   </c:txPr>
-  <c:externalData r:id="rId3">
+  <c:externalData r:id="rId1">
     <c:autoUpdate val="0"/>
   </c:externalData>
 </c:chartSpace>
@@ -479,7 +462,7 @@
 <file path=ppt/charts/chart2.xml><?xml version="1.0" encoding="utf-8"?>
 <c:chartSpace xmlns:c="http://schemas.openxmlformats.org/drawingml/2006/chart" xmlns:a="http://schemas.openxmlformats.org/drawingml/2006/main" xmlns:r="http://schemas.openxmlformats.org/officeDocument/2006/relationships">
   <c:date1904 val="0"/>
-  <c:lang val="zh-CN"/>
+  <c:lang val="en-US"/>
   <c:roundedCorners val="0"/>
   <mc:AlternateContent xmlns:mc="http://schemas.openxmlformats.org/markup-compatibility/2006">
     <mc:Choice xmlns:c14="http://schemas.microsoft.com/office/drawing/2007/8/2/chart" Requires="c14">
@@ -610,13 +593,13 @@
                 <c:formatCode>General</c:formatCode>
                 <c:ptCount val="3"/>
                 <c:pt idx="0">
-                  <c:v>2013</c:v>
+                  <c:v>2013.0</c:v>
                 </c:pt>
                 <c:pt idx="1">
-                  <c:v>2014</c:v>
+                  <c:v>2014.0</c:v>
                 </c:pt>
                 <c:pt idx="2">
-                  <c:v>2015</c:v>
+                  <c:v>2015.0</c:v>
                 </c:pt>
               </c:numCache>
             </c:numRef>
@@ -634,7 +617,7 @@
                   <c:v>36655.9</c:v>
                 </c:pt>
                 <c:pt idx="2">
-                  <c:v>53781.760000000002</c:v>
+                  <c:v>53781.76</c:v>
                 </c:pt>
               </c:numCache>
             </c:numRef>
@@ -650,11 +633,11 @@
         </c:dLbls>
         <c:gapWidth val="355"/>
         <c:overlap val="-70"/>
-        <c:axId val="150728816"/>
-        <c:axId val="150729376"/>
+        <c:axId val="2062173672"/>
+        <c:axId val="2062177480"/>
       </c:barChart>
       <c:catAx>
-        <c:axId val="150728816"/>
+        <c:axId val="2062173672"/>
         <c:scaling>
           <c:orientation val="minMax"/>
         </c:scaling>
@@ -688,10 +671,10 @@
                 <a:cs typeface="+mn-cs"/>
               </a:defRPr>
             </a:pPr>
-            <a:endParaRPr lang="zh-CN"/>
+            <a:endParaRPr lang="en-US"/>
           </a:p>
         </c:txPr>
-        <c:crossAx val="150729376"/>
+        <c:crossAx val="2062177480"/>
         <c:crosses val="autoZero"/>
         <c:auto val="1"/>
         <c:lblAlgn val="ctr"/>
@@ -699,7 +682,7 @@
         <c:noMultiLvlLbl val="0"/>
       </c:catAx>
       <c:valAx>
-        <c:axId val="150729376"/>
+        <c:axId val="2062177480"/>
         <c:scaling>
           <c:orientation val="minMax"/>
         </c:scaling>
@@ -737,23 +720,6 @@
             </a:ln>
             <a:effectLst/>
           </c:spPr>
-          <c:txPr>
-            <a:bodyPr rot="-5400000" spcFirstLastPara="1" vertOverflow="ellipsis" vert="horz" wrap="square" anchor="ctr" anchorCtr="1"/>
-            <a:lstStyle/>
-            <a:p>
-              <a:pPr>
-                <a:defRPr sz="1200" b="0" i="0" u="none" strike="noStrike" kern="1200" cap="all" baseline="0">
-                  <a:solidFill>
-                    <a:schemeClr val="tx1"/>
-                  </a:solidFill>
-                  <a:latin typeface="+mn-lt"/>
-                  <a:ea typeface="+mn-ea"/>
-                  <a:cs typeface="+mn-cs"/>
-                </a:defRPr>
-              </a:pPr>
-              <a:endParaRPr lang="zh-CN"/>
-            </a:p>
-          </c:txPr>
         </c:title>
         <c:numFmt formatCode="0_);[Red]\(0\)" sourceLinked="0"/>
         <c:majorTickMark val="none"/>
@@ -780,13 +746,13 @@
                 <a:cs typeface="+mn-cs"/>
               </a:defRPr>
             </a:pPr>
-            <a:endParaRPr lang="zh-CN"/>
+            <a:endParaRPr lang="en-US"/>
           </a:p>
         </c:txPr>
-        <c:crossAx val="150728816"/>
+        <c:crossAx val="2062173672"/>
         <c:crosses val="autoZero"/>
         <c:crossBetween val="between"/>
-        <c:majorUnit val="20000"/>
+        <c:majorUnit val="20000.0"/>
       </c:valAx>
       <c:spPr>
         <a:noFill/>
@@ -821,10 +787,10 @@
           </a:solidFill>
         </a:defRPr>
       </a:pPr>
-      <a:endParaRPr lang="zh-CN"/>
+      <a:endParaRPr lang="en-US"/>
     </a:p>
   </c:txPr>
-  <c:externalData r:id="rId3">
+  <c:externalData r:id="rId1">
     <c:autoUpdate val="0"/>
   </c:externalData>
 </c:chartSpace>
@@ -2229,7 +2195,7 @@
           <a:p>
             <a:fld id="{00E63636-67F2-47E7-B67E-45605EC5614C}" type="datetimeFigureOut">
               <a:rPr lang="zh-CN" altLang="en-US" smtClean="0"/>
-              <a:t>2016/3/22</a:t>
+              <a:t>22/3/16</a:t>
             </a:fld>
             <a:endParaRPr lang="zh-CN" altLang="en-US"/>
           </a:p>
@@ -2399,7 +2365,7 @@
           <a:p>
             <a:fld id="{00E63636-67F2-47E7-B67E-45605EC5614C}" type="datetimeFigureOut">
               <a:rPr lang="zh-CN" altLang="en-US" smtClean="0"/>
-              <a:t>2016/3/22</a:t>
+              <a:t>22/3/16</a:t>
             </a:fld>
             <a:endParaRPr lang="zh-CN" altLang="en-US"/>
           </a:p>
@@ -2579,7 +2545,7 @@
           <a:p>
             <a:fld id="{00E63636-67F2-47E7-B67E-45605EC5614C}" type="datetimeFigureOut">
               <a:rPr lang="zh-CN" altLang="en-US" smtClean="0"/>
-              <a:t>2016/3/22</a:t>
+              <a:t>22/3/16</a:t>
             </a:fld>
             <a:endParaRPr lang="zh-CN" altLang="en-US"/>
           </a:p>
@@ -2749,7 +2715,7 @@
           <a:p>
             <a:fld id="{00E63636-67F2-47E7-B67E-45605EC5614C}" type="datetimeFigureOut">
               <a:rPr lang="zh-CN" altLang="en-US" smtClean="0"/>
-              <a:t>2016/3/22</a:t>
+              <a:t>22/3/16</a:t>
             </a:fld>
             <a:endParaRPr lang="zh-CN" altLang="en-US"/>
           </a:p>
@@ -2995,7 +2961,7 @@
           <a:p>
             <a:fld id="{00E63636-67F2-47E7-B67E-45605EC5614C}" type="datetimeFigureOut">
               <a:rPr lang="zh-CN" altLang="en-US" smtClean="0"/>
-              <a:t>2016/3/22</a:t>
+              <a:t>22/3/16</a:t>
             </a:fld>
             <a:endParaRPr lang="zh-CN" altLang="en-US"/>
           </a:p>
@@ -3227,7 +3193,7 @@
           <a:p>
             <a:fld id="{00E63636-67F2-47E7-B67E-45605EC5614C}" type="datetimeFigureOut">
               <a:rPr lang="zh-CN" altLang="en-US" smtClean="0"/>
-              <a:t>2016/3/22</a:t>
+              <a:t>22/3/16</a:t>
             </a:fld>
             <a:endParaRPr lang="zh-CN" altLang="en-US"/>
           </a:p>
@@ -3594,7 +3560,7 @@
           <a:p>
             <a:fld id="{00E63636-67F2-47E7-B67E-45605EC5614C}" type="datetimeFigureOut">
               <a:rPr lang="zh-CN" altLang="en-US" smtClean="0"/>
-              <a:t>2016/3/22</a:t>
+              <a:t>22/3/16</a:t>
             </a:fld>
             <a:endParaRPr lang="zh-CN" altLang="en-US"/>
           </a:p>
@@ -3712,7 +3678,7 @@
           <a:p>
             <a:fld id="{00E63636-67F2-47E7-B67E-45605EC5614C}" type="datetimeFigureOut">
               <a:rPr lang="zh-CN" altLang="en-US" smtClean="0"/>
-              <a:t>2016/3/22</a:t>
+              <a:t>22/3/16</a:t>
             </a:fld>
             <a:endParaRPr lang="zh-CN" altLang="en-US"/>
           </a:p>
@@ -3807,7 +3773,7 @@
           <a:p>
             <a:fld id="{00E63636-67F2-47E7-B67E-45605EC5614C}" type="datetimeFigureOut">
               <a:rPr lang="zh-CN" altLang="en-US" smtClean="0"/>
-              <a:t>2016/3/22</a:t>
+              <a:t>22/3/16</a:t>
             </a:fld>
             <a:endParaRPr lang="zh-CN" altLang="en-US"/>
           </a:p>
@@ -4084,7 +4050,7 @@
           <a:p>
             <a:fld id="{00E63636-67F2-47E7-B67E-45605EC5614C}" type="datetimeFigureOut">
               <a:rPr lang="zh-CN" altLang="en-US" smtClean="0"/>
-              <a:t>2016/3/22</a:t>
+              <a:t>22/3/16</a:t>
             </a:fld>
             <a:endParaRPr lang="zh-CN" altLang="en-US"/>
           </a:p>
@@ -4337,7 +4303,7 @@
           <a:p>
             <a:fld id="{00E63636-67F2-47E7-B67E-45605EC5614C}" type="datetimeFigureOut">
               <a:rPr lang="zh-CN" altLang="en-US" smtClean="0"/>
-              <a:t>2016/3/22</a:t>
+              <a:t>22/3/16</a:t>
             </a:fld>
             <a:endParaRPr lang="zh-CN" altLang="en-US"/>
           </a:p>
@@ -4550,7 +4516,7 @@
           <a:p>
             <a:fld id="{00E63636-67F2-47E7-B67E-45605EC5614C}" type="datetimeFigureOut">
               <a:rPr lang="zh-CN" altLang="en-US" smtClean="0"/>
-              <a:t>2016/3/22</a:t>
+              <a:t>22/3/16</a:t>
             </a:fld>
             <a:endParaRPr lang="zh-CN" altLang="en-US"/>
           </a:p>
@@ -4964,7 +4930,7 @@
           <p:nvPr>
             <p:extLst>
               <p:ext uri="{D42A27DB-BD31-4B8C-83A1-F6EECF244321}">
-                <p14:modId xmlns:p14="http://schemas.microsoft.com/office/powerpoint/2010/main" val="2674212369"/>
+                <p14:modId xmlns:p14="http://schemas.microsoft.com/office/powerpoint/2010/main" val="4133525"/>
               </p:ext>
             </p:extLst>
           </p:nvPr>
@@ -4988,7 +4954,7 @@
           <p:nvPr>
             <p:extLst>
               <p:ext uri="{D42A27DB-BD31-4B8C-83A1-F6EECF244321}">
-                <p14:modId xmlns:p14="http://schemas.microsoft.com/office/powerpoint/2010/main" val="2421843581"/>
+                <p14:modId xmlns:p14="http://schemas.microsoft.com/office/powerpoint/2010/main" val="564104916"/>
               </p:ext>
             </p:extLst>
           </p:nvPr>
@@ -5267,7 +5233,7 @@
   <p:timing>
     <p:tnLst>
       <p:par>
-        <p:cTn id="1" dur="indefinite" restart="never" nodeType="tmRoot"/>
+        <p:cTn xmlns:p14="http://schemas.microsoft.com/office/powerpoint/2010/main" id="1" dur="indefinite" restart="never" nodeType="tmRoot"/>
       </p:par>
     </p:tnLst>
   </p:timing>
@@ -5827,7 +5793,7 @@
   <p:timing>
     <p:tnLst>
       <p:par>
-        <p:cTn id="1" dur="indefinite" restart="never" nodeType="tmRoot"/>
+        <p:cTn xmlns:p14="http://schemas.microsoft.com/office/powerpoint/2010/main" id="1" dur="indefinite" restart="never" nodeType="tmRoot"/>
       </p:par>
     </p:tnLst>
   </p:timing>
@@ -7499,7 +7465,7 @@
   <p:timing>
     <p:tnLst>
       <p:par>
-        <p:cTn id="1" dur="indefinite" restart="never" nodeType="tmRoot"/>
+        <p:cTn xmlns:p14="http://schemas.microsoft.com/office/powerpoint/2010/main" id="1" dur="indefinite" restart="never" nodeType="tmRoot"/>
       </p:par>
     </p:tnLst>
   </p:timing>
@@ -8067,18 +8033,7 @@
                 <a:latin typeface="华文新魏" panose="02010800040101010101" pitchFamily="2" charset="-122"/>
                 <a:ea typeface="华文新魏" panose="02010800040101010101" pitchFamily="2" charset="-122"/>
               </a:rPr>
-              <a:t>与</a:t>
-            </a:r>
-            <a:r>
-              <a:rPr lang="zh-CN" altLang="en-US" b="0" i="0" dirty="0" smtClean="0">
-                <a:solidFill>
-                  <a:srgbClr val="000000"/>
-                </a:solidFill>
-                <a:effectLst/>
-                <a:latin typeface="华文新魏" panose="02010800040101010101" pitchFamily="2" charset="-122"/>
-                <a:ea typeface="华文新魏" panose="02010800040101010101" pitchFamily="2" charset="-122"/>
-              </a:rPr>
-              <a:t>国创智联及其股东签署了投资协议</a:t>
+              <a:t>与国创智联及其股东签署了投资协议</a:t>
             </a:r>
             <a:r>
               <a:rPr lang="en-US" altLang="zh-CN" b="0" i="0" dirty="0" smtClean="0">
@@ -8355,14 +8310,7 @@
                 <a:latin typeface="华文新魏" panose="02010800040101010101" pitchFamily="2" charset="-122"/>
                 <a:ea typeface="华文新魏" panose="02010800040101010101" pitchFamily="2" charset="-122"/>
               </a:rPr>
-              <a:t>完成</a:t>
-            </a:r>
-            <a:r>
-              <a:rPr lang="zh-CN" altLang="en-US" dirty="0" smtClean="0">
-                <a:latin typeface="华文新魏" panose="02010800040101010101" pitchFamily="2" charset="-122"/>
-                <a:ea typeface="华文新魏" panose="02010800040101010101" pitchFamily="2" charset="-122"/>
-              </a:rPr>
-              <a:t>武汉矽感部分股权收购及增资，构筑</a:t>
+              <a:t>完成武汉矽感部分股权收购及增资，构筑</a:t>
             </a:r>
             <a:r>
               <a:rPr lang="en-US" altLang="zh-CN" dirty="0" smtClean="0">
@@ -8626,14 +8574,7 @@
                 <a:latin typeface="华文新魏" panose="02010800040101010101" pitchFamily="2" charset="-122"/>
                 <a:ea typeface="华文新魏" panose="02010800040101010101" pitchFamily="2" charset="-122"/>
               </a:rPr>
-              <a:t>完成</a:t>
-            </a:r>
-            <a:r>
-              <a:rPr lang="zh-CN" altLang="en-US" dirty="0" smtClean="0">
-                <a:latin typeface="华文新魏" panose="02010800040101010101" pitchFamily="2" charset="-122"/>
-                <a:ea typeface="华文新魏" panose="02010800040101010101" pitchFamily="2" charset="-122"/>
-              </a:rPr>
-              <a:t>收购深圳高文安设计有限公司股权，有助于宝鹰建设实现“设计带动施工”的发展策略</a:t>
+              <a:t>完成收购深圳高文安设计有限公司股权，有助于宝鹰建设实现“设计带动施工”的发展策略</a:t>
             </a:r>
             <a:endParaRPr lang="zh-CN" altLang="en-US" dirty="0">
               <a:latin typeface="华文新魏" panose="02010800040101010101" pitchFamily="2" charset="-122"/>
@@ -9008,14 +8949,7 @@
                 <a:latin typeface="华文新魏" panose="02010800040101010101" pitchFamily="2" charset="-122"/>
                 <a:ea typeface="华文新魏" panose="02010800040101010101" pitchFamily="2" charset="-122"/>
               </a:rPr>
-              <a:t>印尼</a:t>
-            </a:r>
-            <a:r>
-              <a:rPr lang="zh-CN" altLang="en-US" dirty="0" smtClean="0">
-                <a:latin typeface="华文新魏" panose="02010800040101010101" pitchFamily="2" charset="-122"/>
-                <a:ea typeface="华文新魏" panose="02010800040101010101" pitchFamily="2" charset="-122"/>
-              </a:rPr>
-              <a:t>宝鹰与印尼柯世模有限公司签署总金额为 </a:t>
+              <a:t>印尼宝鹰与印尼柯世模有限公司签署总金额为 </a:t>
             </a:r>
             <a:r>
               <a:rPr lang="en-US" altLang="zh-CN" dirty="0" smtClean="0">
@@ -9051,7 +8985,7 @@
   <p:timing>
     <p:tnLst>
       <p:par>
-        <p:cTn id="1" dur="indefinite" restart="never" nodeType="tmRoot"/>
+        <p:cTn xmlns:p14="http://schemas.microsoft.com/office/powerpoint/2010/main" id="1" dur="indefinite" restart="never" nodeType="tmRoot"/>
       </p:par>
     </p:tnLst>
   </p:timing>
@@ -9189,7 +9123,7 @@
   <p:timing>
     <p:tnLst>
       <p:par>
-        <p:cTn id="1" dur="indefinite" restart="never" nodeType="tmRoot"/>
+        <p:cTn xmlns:p14="http://schemas.microsoft.com/office/powerpoint/2010/main" id="1" dur="indefinite" restart="never" nodeType="tmRoot"/>
       </p:par>
     </p:tnLst>
   </p:timing>
@@ -9465,7 +9399,7 @@
   <p:timing>
     <p:tnLst>
       <p:par>
-        <p:cTn id="1" dur="indefinite" restart="never" nodeType="tmRoot"/>
+        <p:cTn xmlns:p14="http://schemas.microsoft.com/office/powerpoint/2010/main" id="1" dur="indefinite" restart="never" nodeType="tmRoot"/>
       </p:par>
     </p:tnLst>
   </p:timing>
@@ -10461,7 +10395,7 @@
   <p:timing>
     <p:tnLst>
       <p:par>
-        <p:cTn id="1" dur="indefinite" restart="never" nodeType="tmRoot"/>
+        <p:cTn xmlns:p14="http://schemas.microsoft.com/office/powerpoint/2010/main" id="1" dur="indefinite" restart="never" nodeType="tmRoot"/>
       </p:par>
     </p:tnLst>
   </p:timing>
@@ -10740,7 +10674,7 @@
   <p:timing>
     <p:tnLst>
       <p:par>
-        <p:cTn id="1" dur="indefinite" restart="never" nodeType="tmRoot"/>
+        <p:cTn xmlns:p14="http://schemas.microsoft.com/office/powerpoint/2010/main" id="1" dur="indefinite" restart="never" nodeType="tmRoot"/>
       </p:par>
     </p:tnLst>
   </p:timing>
@@ -10887,7 +10821,7 @@
   <p:timing>
     <p:tnLst>
       <p:par>
-        <p:cTn id="1" dur="indefinite" restart="never" nodeType="tmRoot"/>
+        <p:cTn xmlns:p14="http://schemas.microsoft.com/office/powerpoint/2010/main" id="1" dur="indefinite" restart="never" nodeType="tmRoot"/>
       </p:par>
     </p:tnLst>
   </p:timing>
@@ -11025,7 +10959,7 @@
   <p:timing>
     <p:tnLst>
       <p:par>
-        <p:cTn id="1" dur="indefinite" restart="never" nodeType="tmRoot"/>
+        <p:cTn xmlns:p14="http://schemas.microsoft.com/office/powerpoint/2010/main" id="1" dur="indefinite" restart="never" nodeType="tmRoot"/>
       </p:par>
     </p:tnLst>
   </p:timing>
@@ -11075,7 +11009,7 @@
     </a:clrScheme>
     <a:fontScheme name="Office">
       <a:majorFont>
-        <a:latin typeface="Calibri Light" panose="020F0302020204030204"/>
+        <a:latin typeface="Calibri Light"/>
         <a:ea typeface=""/>
         <a:cs typeface=""/>
         <a:font script="Jpan" typeface="ＭＳ Ｐゴシック"/>
@@ -11110,7 +11044,7 @@
         <a:font script="Geor" typeface="Sylfaen"/>
       </a:majorFont>
       <a:minorFont>
-        <a:latin typeface="Calibri" panose="020F0502020204030204"/>
+        <a:latin typeface="Calibri"/>
         <a:ea typeface=""/>
         <a:cs typeface=""/>
         <a:font script="Jpan" typeface="ＭＳ Ｐゴシック"/>
@@ -11287,7 +11221,7 @@
   <a:extraClrSchemeLst/>
   <a:extLst>
     <a:ext uri="{05A4C25C-085E-4340-85A3-A5531E510DB2}">
-      <thm15:themeFamily xmlns:thm15="http://schemas.microsoft.com/office/thememl/2012/main" name="Office Theme" id="{62F939B6-93AF-4DB8-9C6B-D6C7DFDC589F}" vid="{4A3C46E8-61CC-4603-A589-7422A47A8E4A}"/>
+      <thm15:themeFamily xmlns:thm15="http://schemas.microsoft.com/office/thememl/2012/main" xmlns="" name="Office Theme" id="{62F939B6-93AF-4DB8-9C6B-D6C7DFDC589F}" vid="{4A3C46E8-61CC-4603-A589-7422A47A8E4A}"/>
     </a:ext>
   </a:extLst>
 </a:theme>
